--- a/software/Ch_2_collaboration.pptx
+++ b/software/Ch_2_collaboration.pptx
@@ -19002,13 +19002,8 @@
             <a:pPr lvl="1"/>
             <a:r>
               <a:rPr lang="en-US" altLang="zh-CN" dirty="0"/>
-              <a:t>Checkout</a:t>
-            </a:r>
-            <a:r>
-              <a:rPr lang="en-US" altLang="zh-CN"/>
-              <a:t>/clone</a:t>
-            </a:r>
-            <a:endParaRPr lang="en-US" altLang="zh-CN" dirty="0"/>
+              <a:t>Checkout/clone</a:t>
+            </a:r>
           </a:p>
           <a:p>
             <a:r>
@@ -20088,7 +20083,7 @@
                 <a:latin typeface="华文新魏" panose="02010800040101010101" pitchFamily="2" charset="-122"/>
                 <a:ea typeface="华文新魏" panose="02010800040101010101" pitchFamily="2" charset="-122"/>
               </a:rPr>
-              <a:t>githb</a:t>
+              <a:t>github</a:t>
             </a:r>
             <a:r>
               <a:rPr lang="zh-CN" altLang="en-US" b="1" dirty="0">
